--- a/img/pin_map.pptx
+++ b/img/pin_map.pptx
@@ -273,7 +273,7 @@
           <a:p>
             <a:fld id="{6BAEC7DB-416E-4648-AE31-15D6F0A9A9FB}" type="datetimeFigureOut">
               <a:rPr lang="en-US" smtClean="0"/>
-              <a:t>8/26/2018</a:t>
+              <a:t>8/27/2018</a:t>
             </a:fld>
             <a:endParaRPr lang="en-US"/>
           </a:p>
@@ -473,7 +473,7 @@
           <a:p>
             <a:fld id="{6BAEC7DB-416E-4648-AE31-15D6F0A9A9FB}" type="datetimeFigureOut">
               <a:rPr lang="en-US" smtClean="0"/>
-              <a:t>8/26/2018</a:t>
+              <a:t>8/27/2018</a:t>
             </a:fld>
             <a:endParaRPr lang="en-US"/>
           </a:p>
@@ -683,7 +683,7 @@
           <a:p>
             <a:fld id="{6BAEC7DB-416E-4648-AE31-15D6F0A9A9FB}" type="datetimeFigureOut">
               <a:rPr lang="en-US" smtClean="0"/>
-              <a:t>8/26/2018</a:t>
+              <a:t>8/27/2018</a:t>
             </a:fld>
             <a:endParaRPr lang="en-US"/>
           </a:p>
@@ -883,7 +883,7 @@
           <a:p>
             <a:fld id="{6BAEC7DB-416E-4648-AE31-15D6F0A9A9FB}" type="datetimeFigureOut">
               <a:rPr lang="en-US" smtClean="0"/>
-              <a:t>8/26/2018</a:t>
+              <a:t>8/27/2018</a:t>
             </a:fld>
             <a:endParaRPr lang="en-US"/>
           </a:p>
@@ -1159,7 +1159,7 @@
           <a:p>
             <a:fld id="{6BAEC7DB-416E-4648-AE31-15D6F0A9A9FB}" type="datetimeFigureOut">
               <a:rPr lang="en-US" smtClean="0"/>
-              <a:t>8/26/2018</a:t>
+              <a:t>8/27/2018</a:t>
             </a:fld>
             <a:endParaRPr lang="en-US"/>
           </a:p>
@@ -1427,7 +1427,7 @@
           <a:p>
             <a:fld id="{6BAEC7DB-416E-4648-AE31-15D6F0A9A9FB}" type="datetimeFigureOut">
               <a:rPr lang="en-US" smtClean="0"/>
-              <a:t>8/26/2018</a:t>
+              <a:t>8/27/2018</a:t>
             </a:fld>
             <a:endParaRPr lang="en-US"/>
           </a:p>
@@ -1842,7 +1842,7 @@
           <a:p>
             <a:fld id="{6BAEC7DB-416E-4648-AE31-15D6F0A9A9FB}" type="datetimeFigureOut">
               <a:rPr lang="en-US" smtClean="0"/>
-              <a:t>8/26/2018</a:t>
+              <a:t>8/27/2018</a:t>
             </a:fld>
             <a:endParaRPr lang="en-US"/>
           </a:p>
@@ -1984,7 +1984,7 @@
           <a:p>
             <a:fld id="{6BAEC7DB-416E-4648-AE31-15D6F0A9A9FB}" type="datetimeFigureOut">
               <a:rPr lang="en-US" smtClean="0"/>
-              <a:t>8/26/2018</a:t>
+              <a:t>8/27/2018</a:t>
             </a:fld>
             <a:endParaRPr lang="en-US"/>
           </a:p>
@@ -2097,7 +2097,7 @@
           <a:p>
             <a:fld id="{6BAEC7DB-416E-4648-AE31-15D6F0A9A9FB}" type="datetimeFigureOut">
               <a:rPr lang="en-US" smtClean="0"/>
-              <a:t>8/26/2018</a:t>
+              <a:t>8/27/2018</a:t>
             </a:fld>
             <a:endParaRPr lang="en-US"/>
           </a:p>
@@ -2410,7 +2410,7 @@
           <a:p>
             <a:fld id="{6BAEC7DB-416E-4648-AE31-15D6F0A9A9FB}" type="datetimeFigureOut">
               <a:rPr lang="en-US" smtClean="0"/>
-              <a:t>8/26/2018</a:t>
+              <a:t>8/27/2018</a:t>
             </a:fld>
             <a:endParaRPr lang="en-US"/>
           </a:p>
@@ -2699,7 +2699,7 @@
           <a:p>
             <a:fld id="{6BAEC7DB-416E-4648-AE31-15D6F0A9A9FB}" type="datetimeFigureOut">
               <a:rPr lang="en-US" smtClean="0"/>
-              <a:t>8/26/2018</a:t>
+              <a:t>8/27/2018</a:t>
             </a:fld>
             <a:endParaRPr lang="en-US"/>
           </a:p>
@@ -2942,7 +2942,7 @@
           <a:p>
             <a:fld id="{6BAEC7DB-416E-4648-AE31-15D6F0A9A9FB}" type="datetimeFigureOut">
               <a:rPr lang="en-US" smtClean="0"/>
-              <a:t>8/26/2018</a:t>
+              <a:t>8/27/2018</a:t>
             </a:fld>
             <a:endParaRPr lang="en-US"/>
           </a:p>
@@ -3387,7 +3387,7 @@
         </p:blipFill>
         <p:spPr>
           <a:xfrm>
-            <a:off x="2962488" y="678595"/>
+            <a:off x="3326397" y="678595"/>
             <a:ext cx="6400800" cy="4800600"/>
           </a:xfrm>
           <a:prstGeom prst="rect">
@@ -3411,7 +3411,7 @@
         </p:nvCxnSpPr>
         <p:spPr>
           <a:xfrm>
-            <a:off x="2582270" y="2687866"/>
+            <a:off x="2946179" y="2687866"/>
             <a:ext cx="1186890" cy="0"/>
           </a:xfrm>
           <a:prstGeom prst="line">
@@ -3458,7 +3458,7 @@
         </p:nvCxnSpPr>
         <p:spPr>
           <a:xfrm>
-            <a:off x="2582270" y="3515302"/>
+            <a:off x="2946179" y="3515302"/>
             <a:ext cx="1186890" cy="0"/>
           </a:xfrm>
           <a:prstGeom prst="line">
@@ -3505,7 +3505,7 @@
         </p:nvCxnSpPr>
         <p:spPr>
           <a:xfrm flipV="1">
-            <a:off x="2101518" y="3242597"/>
+            <a:off x="2465427" y="3242597"/>
             <a:ext cx="1618486" cy="0"/>
           </a:xfrm>
           <a:prstGeom prst="line">
@@ -3552,7 +3552,7 @@
         </p:nvCxnSpPr>
         <p:spPr>
           <a:xfrm>
-            <a:off x="2107980" y="2957338"/>
+            <a:off x="2471889" y="2957338"/>
             <a:ext cx="1618486" cy="0"/>
           </a:xfrm>
           <a:prstGeom prst="line">
@@ -3599,7 +3599,7 @@
         </p:nvCxnSpPr>
         <p:spPr>
           <a:xfrm flipH="1" flipV="1">
-            <a:off x="2107980" y="2407114"/>
+            <a:off x="2471889" y="2407114"/>
             <a:ext cx="474290" cy="280753"/>
           </a:xfrm>
           <a:prstGeom prst="line">
@@ -3646,7 +3646,7 @@
         </p:nvCxnSpPr>
         <p:spPr>
           <a:xfrm flipH="1">
-            <a:off x="2107980" y="3515302"/>
+            <a:off x="2471889" y="3515302"/>
             <a:ext cx="474289" cy="276870"/>
           </a:xfrm>
           <a:prstGeom prst="line">
@@ -3705,7 +3705,7 @@
         </p:blipFill>
         <p:spPr>
           <a:xfrm>
-            <a:off x="5788711" y="979276"/>
+            <a:off x="6152620" y="979276"/>
             <a:ext cx="472059" cy="472059"/>
           </a:xfrm>
           <a:prstGeom prst="rect">
@@ -3741,7 +3741,7 @@
         </p:blipFill>
         <p:spPr>
           <a:xfrm>
-            <a:off x="6508205" y="975901"/>
+            <a:off x="6872114" y="975901"/>
             <a:ext cx="472059" cy="472059"/>
           </a:xfrm>
           <a:prstGeom prst="rect">
@@ -3763,7 +3763,7 @@
         </p:nvSpPr>
         <p:spPr>
           <a:xfrm>
-            <a:off x="1692350" y="5196855"/>
+            <a:off x="1496404" y="5196855"/>
             <a:ext cx="4616147" cy="2205732"/>
           </a:xfrm>
           <a:prstGeom prst="rect">
@@ -3914,7 +3914,7 @@
         </p:blipFill>
         <p:spPr>
           <a:xfrm>
-            <a:off x="6297262" y="5300273"/>
+            <a:off x="6138636" y="5300273"/>
             <a:ext cx="265176" cy="265176"/>
           </a:xfrm>
           <a:prstGeom prst="rect">
@@ -3950,7 +3950,7 @@
         </p:blipFill>
         <p:spPr>
           <a:xfrm>
-            <a:off x="6297262" y="5612896"/>
+            <a:off x="6138636" y="5612896"/>
             <a:ext cx="265176" cy="265176"/>
           </a:xfrm>
           <a:prstGeom prst="rect">
@@ -3972,8 +3972,8 @@
         </p:nvSpPr>
         <p:spPr>
           <a:xfrm>
-            <a:off x="6541194" y="5218293"/>
-            <a:ext cx="5358706" cy="1379865"/>
+            <a:off x="6348412" y="5229218"/>
+            <a:ext cx="5737883" cy="1379865"/>
           </a:xfrm>
           <a:prstGeom prst="rect">
             <a:avLst/>
@@ -3997,7 +3997,23 @@
                 <a:ea typeface="Microsoft JhengHei Light" panose="020B0304030504040204" pitchFamily="34" charset="-120"/>
                 <a:cs typeface="Leelawadee UI" panose="020B0502040204020203" pitchFamily="34" charset="-34"/>
               </a:rPr>
-              <a:t>Load A: one end of the load line</a:t>
+              <a:t>Load 2: one port of switch</a:t>
+            </a:r>
+            <a:r>
+              <a:rPr lang="en-US" sz="1600" baseline="-25000">
+                <a:latin typeface="Leelawadee UI" panose="020B0502040204020203" pitchFamily="34" charset="-34"/>
+                <a:ea typeface="Microsoft JhengHei Light" panose="020B0304030504040204" pitchFamily="34" charset="-120"/>
+                <a:cs typeface="Leelawadee UI" panose="020B0502040204020203" pitchFamily="34" charset="-34"/>
+              </a:rPr>
+              <a:t> </a:t>
+            </a:r>
+            <a:r>
+              <a:rPr lang="en-US" sz="1600">
+                <a:latin typeface="Leelawadee UI" panose="020B0502040204020203" pitchFamily="34" charset="-34"/>
+                <a:ea typeface="Microsoft JhengHei Light" panose="020B0304030504040204" pitchFamily="34" charset="-120"/>
+                <a:cs typeface="Leelawadee UI" panose="020B0502040204020203" pitchFamily="34" charset="-34"/>
+              </a:rPr>
+              <a:t>to connect to the load wire</a:t>
             </a:r>
           </a:p>
           <a:p>
@@ -4012,7 +4028,7 @@
                 <a:ea typeface="Microsoft JhengHei Light" panose="020B0304030504040204" pitchFamily="34" charset="-120"/>
                 <a:cs typeface="Leelawadee UI" panose="020B0502040204020203" pitchFamily="34" charset="-34"/>
               </a:rPr>
-              <a:t>Load B: the other end of the load line</a:t>
+              <a:t>Load 1: the other port of switch to connect to the load wire</a:t>
             </a:r>
             <a:endParaRPr lang="en-US" sz="1200">
               <a:solidFill>
@@ -4052,7 +4068,7 @@
         </p:nvGrpSpPr>
         <p:grpSpPr>
           <a:xfrm>
-            <a:off x="1636061" y="2172059"/>
+            <a:off x="1999970" y="2172059"/>
             <a:ext cx="476250" cy="1886426"/>
             <a:chOff x="2261625" y="1357253"/>
             <a:chExt cx="476250" cy="1886426"/>
@@ -4231,7 +4247,7 @@
         </p:blipFill>
         <p:spPr>
           <a:xfrm>
-            <a:off x="1489204" y="5591681"/>
+            <a:off x="1293258" y="5591681"/>
             <a:ext cx="266700" cy="266700"/>
           </a:xfrm>
           <a:prstGeom prst="rect">
@@ -4267,7 +4283,7 @@
         </p:blipFill>
         <p:spPr>
           <a:xfrm>
-            <a:off x="1489204" y="5275376"/>
+            <a:off x="1293258" y="5275376"/>
             <a:ext cx="266700" cy="266700"/>
           </a:xfrm>
           <a:prstGeom prst="rect">
@@ -4303,7 +4319,7 @@
         </p:blipFill>
         <p:spPr>
           <a:xfrm>
-            <a:off x="1489204" y="6224294"/>
+            <a:off x="1293258" y="6224294"/>
             <a:ext cx="266700" cy="266700"/>
           </a:xfrm>
           <a:prstGeom prst="rect">
@@ -4339,7 +4355,7 @@
         </p:blipFill>
         <p:spPr>
           <a:xfrm>
-            <a:off x="1489204" y="5907988"/>
+            <a:off x="1293258" y="5907988"/>
             <a:ext cx="266700" cy="266700"/>
           </a:xfrm>
           <a:prstGeom prst="rect">
@@ -4364,7 +4380,7 @@
         </p:nvCxnSpPr>
         <p:spPr>
           <a:xfrm flipV="1">
-            <a:off x="6024741" y="1451335"/>
+            <a:off x="6388650" y="1451335"/>
             <a:ext cx="0" cy="350305"/>
           </a:xfrm>
           <a:prstGeom prst="line">
@@ -4411,7 +4427,7 @@
         </p:nvCxnSpPr>
         <p:spPr>
           <a:xfrm flipV="1">
-            <a:off x="6740177" y="1451334"/>
+            <a:off x="7104086" y="1451334"/>
             <a:ext cx="0" cy="350305"/>
           </a:xfrm>
           <a:prstGeom prst="line">

--- a/img/pin_map.pptx
+++ b/img/pin_map.pptx
@@ -273,7 +273,7 @@
           <a:p>
             <a:fld id="{6BAEC7DB-416E-4648-AE31-15D6F0A9A9FB}" type="datetimeFigureOut">
               <a:rPr lang="en-US" smtClean="0"/>
-              <a:t>8/27/2018</a:t>
+              <a:t>11/30/2018</a:t>
             </a:fld>
             <a:endParaRPr lang="en-US"/>
           </a:p>
@@ -473,7 +473,7 @@
           <a:p>
             <a:fld id="{6BAEC7DB-416E-4648-AE31-15D6F0A9A9FB}" type="datetimeFigureOut">
               <a:rPr lang="en-US" smtClean="0"/>
-              <a:t>8/27/2018</a:t>
+              <a:t>11/30/2018</a:t>
             </a:fld>
             <a:endParaRPr lang="en-US"/>
           </a:p>
@@ -683,7 +683,7 @@
           <a:p>
             <a:fld id="{6BAEC7DB-416E-4648-AE31-15D6F0A9A9FB}" type="datetimeFigureOut">
               <a:rPr lang="en-US" smtClean="0"/>
-              <a:t>8/27/2018</a:t>
+              <a:t>11/30/2018</a:t>
             </a:fld>
             <a:endParaRPr lang="en-US"/>
           </a:p>
@@ -883,7 +883,7 @@
           <a:p>
             <a:fld id="{6BAEC7DB-416E-4648-AE31-15D6F0A9A9FB}" type="datetimeFigureOut">
               <a:rPr lang="en-US" smtClean="0"/>
-              <a:t>8/27/2018</a:t>
+              <a:t>11/30/2018</a:t>
             </a:fld>
             <a:endParaRPr lang="en-US"/>
           </a:p>
@@ -1159,7 +1159,7 @@
           <a:p>
             <a:fld id="{6BAEC7DB-416E-4648-AE31-15D6F0A9A9FB}" type="datetimeFigureOut">
               <a:rPr lang="en-US" smtClean="0"/>
-              <a:t>8/27/2018</a:t>
+              <a:t>11/30/2018</a:t>
             </a:fld>
             <a:endParaRPr lang="en-US"/>
           </a:p>
@@ -1427,7 +1427,7 @@
           <a:p>
             <a:fld id="{6BAEC7DB-416E-4648-AE31-15D6F0A9A9FB}" type="datetimeFigureOut">
               <a:rPr lang="en-US" smtClean="0"/>
-              <a:t>8/27/2018</a:t>
+              <a:t>11/30/2018</a:t>
             </a:fld>
             <a:endParaRPr lang="en-US"/>
           </a:p>
@@ -1842,7 +1842,7 @@
           <a:p>
             <a:fld id="{6BAEC7DB-416E-4648-AE31-15D6F0A9A9FB}" type="datetimeFigureOut">
               <a:rPr lang="en-US" smtClean="0"/>
-              <a:t>8/27/2018</a:t>
+              <a:t>11/30/2018</a:t>
             </a:fld>
             <a:endParaRPr lang="en-US"/>
           </a:p>
@@ -1984,7 +1984,7 @@
           <a:p>
             <a:fld id="{6BAEC7DB-416E-4648-AE31-15D6F0A9A9FB}" type="datetimeFigureOut">
               <a:rPr lang="en-US" smtClean="0"/>
-              <a:t>8/27/2018</a:t>
+              <a:t>11/30/2018</a:t>
             </a:fld>
             <a:endParaRPr lang="en-US"/>
           </a:p>
@@ -2097,7 +2097,7 @@
           <a:p>
             <a:fld id="{6BAEC7DB-416E-4648-AE31-15D6F0A9A9FB}" type="datetimeFigureOut">
               <a:rPr lang="en-US" smtClean="0"/>
-              <a:t>8/27/2018</a:t>
+              <a:t>11/30/2018</a:t>
             </a:fld>
             <a:endParaRPr lang="en-US"/>
           </a:p>
@@ -2410,7 +2410,7 @@
           <a:p>
             <a:fld id="{6BAEC7DB-416E-4648-AE31-15D6F0A9A9FB}" type="datetimeFigureOut">
               <a:rPr lang="en-US" smtClean="0"/>
-              <a:t>8/27/2018</a:t>
+              <a:t>11/30/2018</a:t>
             </a:fld>
             <a:endParaRPr lang="en-US"/>
           </a:p>
@@ -2699,7 +2699,7 @@
           <a:p>
             <a:fld id="{6BAEC7DB-416E-4648-AE31-15D6F0A9A9FB}" type="datetimeFigureOut">
               <a:rPr lang="en-US" smtClean="0"/>
-              <a:t>8/27/2018</a:t>
+              <a:t>11/30/2018</a:t>
             </a:fld>
             <a:endParaRPr lang="en-US"/>
           </a:p>
@@ -2942,7 +2942,7 @@
           <a:p>
             <a:fld id="{6BAEC7DB-416E-4648-AE31-15D6F0A9A9FB}" type="datetimeFigureOut">
               <a:rPr lang="en-US" smtClean="0"/>
-              <a:t>8/27/2018</a:t>
+              <a:t>11/30/2018</a:t>
             </a:fld>
             <a:endParaRPr lang="en-US"/>
           </a:p>
@@ -3819,7 +3819,7 @@
                 <a:ea typeface="Microsoft JhengHei Light" panose="020B0304030504040204" pitchFamily="34" charset="-120"/>
                 <a:cs typeface="Leelawadee UI" panose="020B0502040204020203" pitchFamily="34" charset="-34"/>
               </a:rPr>
-              <a:t>VCC: you can use 5V or 3.3V for this module</a:t>
+              <a:t>VCC: you can use 5V for this module</a:t>
             </a:r>
           </a:p>
           <a:p>
